--- a/spring-boot-2.pptx
+++ b/spring-boot-2.pptx
@@ -3860,29 +3860,29 @@
     </dgm:pt>
   </dgm:ptLst>
   <dgm:cxnLst>
+    <dgm:cxn modelId="{28347BE5-E274-4898-9376-B96418EF469D}" type="presOf" srcId="{E005B9DE-1B7F-4320-8A2B-42AEB15148EB}" destId="{F7FE67AB-FF86-4F0C-B369-16B647F9B162}" srcOrd="1" destOrd="0" presId="urn:microsoft.com/office/officeart/2005/8/layout/hierarchy2"/>
+    <dgm:cxn modelId="{69C2D633-8BA3-4987-A4A7-BBA184478F3B}" type="presOf" srcId="{83A9FA8A-4F59-4DB8-AD2F-175501C91003}" destId="{F0E3C40B-633A-40D0-A470-E622747C2513}" srcOrd="0" destOrd="0" presId="urn:microsoft.com/office/officeart/2005/8/layout/hierarchy2"/>
+    <dgm:cxn modelId="{D5C34106-C8FE-4185-B6AE-B175A70F05B7}" type="presOf" srcId="{83A9FA8A-4F59-4DB8-AD2F-175501C91003}" destId="{A257B7BA-CDCB-4E46-9CD8-127B8603C384}" srcOrd="1" destOrd="0" presId="urn:microsoft.com/office/officeart/2005/8/layout/hierarchy2"/>
+    <dgm:cxn modelId="{0F185493-0314-4FD9-BD72-6E64E6B83186}" type="presOf" srcId="{E005B9DE-1B7F-4320-8A2B-42AEB15148EB}" destId="{11A62F0C-52C8-494F-83F0-2980FA56CF6D}" srcOrd="0" destOrd="0" presId="urn:microsoft.com/office/officeart/2005/8/layout/hierarchy2"/>
+    <dgm:cxn modelId="{236FDCAF-A080-4E7E-BDA4-0C611CBE9677}" type="presOf" srcId="{173B7EE6-60C4-435D-85E0-3ED903DAA0C2}" destId="{0F5F6D71-391F-4AC5-8B54-9F8B8788F561}" srcOrd="1" destOrd="0" presId="urn:microsoft.com/office/officeart/2005/8/layout/hierarchy2"/>
+    <dgm:cxn modelId="{C5AD1AB3-69D4-42B4-8ABF-D3A158E5CBC4}" type="presOf" srcId="{5C8EEA47-68C0-4A7D-A459-5ACA926AB9F2}" destId="{0089B83B-83A9-406E-B1D0-350A358C7C47}" srcOrd="1" destOrd="0" presId="urn:microsoft.com/office/officeart/2005/8/layout/hierarchy2"/>
+    <dgm:cxn modelId="{D197A1C2-00B7-47CD-8F5C-F797688C4E32}" srcId="{47FA9231-DFD4-4B78-B13F-4587D4D1BCA5}" destId="{904D8B18-6AE3-4782-B6F8-3F020E58170A}" srcOrd="1" destOrd="0" parTransId="{8AB0DDB0-7CDF-48C8-B082-DD3F1A28D89E}" sibTransId="{5CEE661C-0354-4CA2-B980-26418AE020F7}"/>
+    <dgm:cxn modelId="{E114D8D9-0E54-4908-96BB-C817FB757C42}" srcId="{C487CC0F-ECF8-4FA6-BBE7-BF5BB8362587}" destId="{C0915D6D-7FEB-4A66-9101-346B3B8CA719}" srcOrd="0" destOrd="0" parTransId="{E005B9DE-1B7F-4320-8A2B-42AEB15148EB}" sibTransId="{1357321B-D2A7-4FC9-B66B-260EB0AC899B}"/>
+    <dgm:cxn modelId="{5FEC6D7E-23D7-40D7-8788-BFAD66901DB3}" type="presOf" srcId="{47FA9231-DFD4-4B78-B13F-4587D4D1BCA5}" destId="{49C117A5-F936-47C4-8B05-5BA297404E1B}" srcOrd="0" destOrd="0" presId="urn:microsoft.com/office/officeart/2005/8/layout/hierarchy2"/>
+    <dgm:cxn modelId="{5451ED5C-CE2D-4F9C-A882-4F9A44A5391A}" type="presOf" srcId="{3EA009EA-3CF0-4186-B0CF-130A7331AC3C}" destId="{FB98A60C-17A0-444E-B5E4-7BCC97C27B35}" srcOrd="0" destOrd="0" presId="urn:microsoft.com/office/officeart/2005/8/layout/hierarchy2"/>
+    <dgm:cxn modelId="{5471451C-4ABF-4CFB-983D-E82FE87A9EF0}" type="presOf" srcId="{0F05B232-9EDB-4E02-A397-048E92AC20CC}" destId="{C102138C-1031-4884-83CC-19990CC32F10}" srcOrd="0" destOrd="0" presId="urn:microsoft.com/office/officeart/2005/8/layout/hierarchy2"/>
+    <dgm:cxn modelId="{714E448E-88C1-4E26-87BF-84BC028267F2}" type="presOf" srcId="{8AB0DDB0-7CDF-48C8-B082-DD3F1A28D89E}" destId="{C3D34A20-FC49-4DBB-A819-BDC76EECFE49}" srcOrd="0" destOrd="0" presId="urn:microsoft.com/office/officeart/2005/8/layout/hierarchy2"/>
+    <dgm:cxn modelId="{6491C8D1-6BF2-4B05-84C2-B9D7CBE9AB7C}" type="presOf" srcId="{C487CC0F-ECF8-4FA6-BBE7-BF5BB8362587}" destId="{7E6DF73F-738B-4E84-8EC6-BA76056188B2}" srcOrd="0" destOrd="0" presId="urn:microsoft.com/office/officeart/2005/8/layout/hierarchy2"/>
+    <dgm:cxn modelId="{78476297-A32E-44A4-91D8-38728919C67A}" type="presOf" srcId="{8AB0DDB0-7CDF-48C8-B082-DD3F1A28D89E}" destId="{6F7A0BAA-8121-4203-A359-127D366AA339}" srcOrd="1" destOrd="0" presId="urn:microsoft.com/office/officeart/2005/8/layout/hierarchy2"/>
+    <dgm:cxn modelId="{4E957439-0D1A-490D-83B1-41B0F18E08B1}" type="presOf" srcId="{173B7EE6-60C4-435D-85E0-3ED903DAA0C2}" destId="{0D7C9589-18E6-4183-8F7D-145F12A9D120}" srcOrd="0" destOrd="0" presId="urn:microsoft.com/office/officeart/2005/8/layout/hierarchy2"/>
+    <dgm:cxn modelId="{91EEAFDB-4A7C-43F3-9A7F-6553A6B00F02}" srcId="{D1066CEE-5A1D-4AEC-842A-3333ECDE9DD2}" destId="{47FA9231-DFD4-4B78-B13F-4587D4D1BCA5}" srcOrd="0" destOrd="0" parTransId="{83A9FA8A-4F59-4DB8-AD2F-175501C91003}" sibTransId="{809633D6-3365-456C-AB71-16994A09E790}"/>
+    <dgm:cxn modelId="{8185A1FB-A38E-4F66-A990-B737A4862018}" type="presOf" srcId="{5C8EEA47-68C0-4A7D-A459-5ACA926AB9F2}" destId="{65E6A077-FF24-43F1-8701-37E7B19557C9}" srcOrd="0" destOrd="0" presId="urn:microsoft.com/office/officeart/2005/8/layout/hierarchy2"/>
     <dgm:cxn modelId="{ED938692-DB03-4A26-8816-AD9E06F1B45C}" type="presOf" srcId="{904D8B18-6AE3-4782-B6F8-3F020E58170A}" destId="{EF6C7C8F-C15F-4AB8-AB70-7186CC598085}" srcOrd="0" destOrd="0" presId="urn:microsoft.com/office/officeart/2005/8/layout/hierarchy2"/>
-    <dgm:cxn modelId="{8185A1FB-A38E-4F66-A990-B737A4862018}" type="presOf" srcId="{5C8EEA47-68C0-4A7D-A459-5ACA926AB9F2}" destId="{65E6A077-FF24-43F1-8701-37E7B19557C9}" srcOrd="0" destOrd="0" presId="urn:microsoft.com/office/officeart/2005/8/layout/hierarchy2"/>
-    <dgm:cxn modelId="{4E957439-0D1A-490D-83B1-41B0F18E08B1}" type="presOf" srcId="{173B7EE6-60C4-435D-85E0-3ED903DAA0C2}" destId="{0D7C9589-18E6-4183-8F7D-145F12A9D120}" srcOrd="0" destOrd="0" presId="urn:microsoft.com/office/officeart/2005/8/layout/hierarchy2"/>
-    <dgm:cxn modelId="{0F185493-0314-4FD9-BD72-6E64E6B83186}" type="presOf" srcId="{E005B9DE-1B7F-4320-8A2B-42AEB15148EB}" destId="{11A62F0C-52C8-494F-83F0-2980FA56CF6D}" srcOrd="0" destOrd="0" presId="urn:microsoft.com/office/officeart/2005/8/layout/hierarchy2"/>
-    <dgm:cxn modelId="{69C2D633-8BA3-4987-A4A7-BBA184478F3B}" type="presOf" srcId="{83A9FA8A-4F59-4DB8-AD2F-175501C91003}" destId="{F0E3C40B-633A-40D0-A470-E622747C2513}" srcOrd="0" destOrd="0" presId="urn:microsoft.com/office/officeart/2005/8/layout/hierarchy2"/>
+    <dgm:cxn modelId="{F0AE1EEF-70A4-43F0-A617-4DA8517D7694}" srcId="{47FA9231-DFD4-4B78-B13F-4587D4D1BCA5}" destId="{0F05B232-9EDB-4E02-A397-048E92AC20CC}" srcOrd="0" destOrd="0" parTransId="{5C8EEA47-68C0-4A7D-A459-5ACA926AB9F2}" sibTransId="{2CB9CD99-6DA9-435B-8329-27CC048E24A4}"/>
     <dgm:cxn modelId="{0145B1AA-6F4B-4DBD-AFBD-41FE6ABF9EE2}" srcId="{3EA009EA-3CF0-4186-B0CF-130A7331AC3C}" destId="{D1066CEE-5A1D-4AEC-842A-3333ECDE9DD2}" srcOrd="0" destOrd="0" parTransId="{F25B1C29-F405-4AA9-B723-B7FB663FC49D}" sibTransId="{F18E6947-4753-494A-87E0-F7B016C643E9}"/>
-    <dgm:cxn modelId="{D197A1C2-00B7-47CD-8F5C-F797688C4E32}" srcId="{47FA9231-DFD4-4B78-B13F-4587D4D1BCA5}" destId="{904D8B18-6AE3-4782-B6F8-3F020E58170A}" srcOrd="1" destOrd="0" parTransId="{8AB0DDB0-7CDF-48C8-B082-DD3F1A28D89E}" sibTransId="{5CEE661C-0354-4CA2-B980-26418AE020F7}"/>
-    <dgm:cxn modelId="{5FEC6D7E-23D7-40D7-8788-BFAD66901DB3}" type="presOf" srcId="{47FA9231-DFD4-4B78-B13F-4587D4D1BCA5}" destId="{49C117A5-F936-47C4-8B05-5BA297404E1B}" srcOrd="0" destOrd="0" presId="urn:microsoft.com/office/officeart/2005/8/layout/hierarchy2"/>
-    <dgm:cxn modelId="{78476297-A32E-44A4-91D8-38728919C67A}" type="presOf" srcId="{8AB0DDB0-7CDF-48C8-B082-DD3F1A28D89E}" destId="{6F7A0BAA-8121-4203-A359-127D366AA339}" srcOrd="1" destOrd="0" presId="urn:microsoft.com/office/officeart/2005/8/layout/hierarchy2"/>
-    <dgm:cxn modelId="{C5AD1AB3-69D4-42B4-8ABF-D3A158E5CBC4}" type="presOf" srcId="{5C8EEA47-68C0-4A7D-A459-5ACA926AB9F2}" destId="{0089B83B-83A9-406E-B1D0-350A358C7C47}" srcOrd="1" destOrd="0" presId="urn:microsoft.com/office/officeart/2005/8/layout/hierarchy2"/>
-    <dgm:cxn modelId="{E114D8D9-0E54-4908-96BB-C817FB757C42}" srcId="{C487CC0F-ECF8-4FA6-BBE7-BF5BB8362587}" destId="{C0915D6D-7FEB-4A66-9101-346B3B8CA719}" srcOrd="0" destOrd="0" parTransId="{E005B9DE-1B7F-4320-8A2B-42AEB15148EB}" sibTransId="{1357321B-D2A7-4FC9-B66B-260EB0AC899B}"/>
-    <dgm:cxn modelId="{91EEAFDB-4A7C-43F3-9A7F-6553A6B00F02}" srcId="{D1066CEE-5A1D-4AEC-842A-3333ECDE9DD2}" destId="{47FA9231-DFD4-4B78-B13F-4587D4D1BCA5}" srcOrd="0" destOrd="0" parTransId="{83A9FA8A-4F59-4DB8-AD2F-175501C91003}" sibTransId="{809633D6-3365-456C-AB71-16994A09E790}"/>
-    <dgm:cxn modelId="{5471451C-4ABF-4CFB-983D-E82FE87A9EF0}" type="presOf" srcId="{0F05B232-9EDB-4E02-A397-048E92AC20CC}" destId="{C102138C-1031-4884-83CC-19990CC32F10}" srcOrd="0" destOrd="0" presId="urn:microsoft.com/office/officeart/2005/8/layout/hierarchy2"/>
-    <dgm:cxn modelId="{28347BE5-E274-4898-9376-B96418EF469D}" type="presOf" srcId="{E005B9DE-1B7F-4320-8A2B-42AEB15148EB}" destId="{F7FE67AB-FF86-4F0C-B369-16B647F9B162}" srcOrd="1" destOrd="0" presId="urn:microsoft.com/office/officeart/2005/8/layout/hierarchy2"/>
-    <dgm:cxn modelId="{D5C34106-C8FE-4185-B6AE-B175A70F05B7}" type="presOf" srcId="{83A9FA8A-4F59-4DB8-AD2F-175501C91003}" destId="{A257B7BA-CDCB-4E46-9CD8-127B8603C384}" srcOrd="1" destOrd="0" presId="urn:microsoft.com/office/officeart/2005/8/layout/hierarchy2"/>
+    <dgm:cxn modelId="{333CDDCE-57E6-4967-A0EC-E08067404D0A}" type="presOf" srcId="{C0915D6D-7FEB-4A66-9101-346B3B8CA719}" destId="{61AE515D-0A5F-4389-96DC-CF8E70CAD22E}" srcOrd="0" destOrd="0" presId="urn:microsoft.com/office/officeart/2005/8/layout/hierarchy2"/>
     <dgm:cxn modelId="{6C5DFD62-A7D9-4D4F-B78A-6BB728D313C7}" type="presOf" srcId="{D1066CEE-5A1D-4AEC-842A-3333ECDE9DD2}" destId="{9B0DC48F-6234-4253-B279-AB27F1B1F1F8}" srcOrd="0" destOrd="0" presId="urn:microsoft.com/office/officeart/2005/8/layout/hierarchy2"/>
-    <dgm:cxn modelId="{714E448E-88C1-4E26-87BF-84BC028267F2}" type="presOf" srcId="{8AB0DDB0-7CDF-48C8-B082-DD3F1A28D89E}" destId="{C3D34A20-FC49-4DBB-A819-BDC76EECFE49}" srcOrd="0" destOrd="0" presId="urn:microsoft.com/office/officeart/2005/8/layout/hierarchy2"/>
-    <dgm:cxn modelId="{5451ED5C-CE2D-4F9C-A882-4F9A44A5391A}" type="presOf" srcId="{3EA009EA-3CF0-4186-B0CF-130A7331AC3C}" destId="{FB98A60C-17A0-444E-B5E4-7BCC97C27B35}" srcOrd="0" destOrd="0" presId="urn:microsoft.com/office/officeart/2005/8/layout/hierarchy2"/>
-    <dgm:cxn modelId="{6491C8D1-6BF2-4B05-84C2-B9D7CBE9AB7C}" type="presOf" srcId="{C487CC0F-ECF8-4FA6-BBE7-BF5BB8362587}" destId="{7E6DF73F-738B-4E84-8EC6-BA76056188B2}" srcOrd="0" destOrd="0" presId="urn:microsoft.com/office/officeart/2005/8/layout/hierarchy2"/>
-    <dgm:cxn modelId="{333CDDCE-57E6-4967-A0EC-E08067404D0A}" type="presOf" srcId="{C0915D6D-7FEB-4A66-9101-346B3B8CA719}" destId="{61AE515D-0A5F-4389-96DC-CF8E70CAD22E}" srcOrd="0" destOrd="0" presId="urn:microsoft.com/office/officeart/2005/8/layout/hierarchy2"/>
-    <dgm:cxn modelId="{F0AE1EEF-70A4-43F0-A617-4DA8517D7694}" srcId="{47FA9231-DFD4-4B78-B13F-4587D4D1BCA5}" destId="{0F05B232-9EDB-4E02-A397-048E92AC20CC}" srcOrd="0" destOrd="0" parTransId="{5C8EEA47-68C0-4A7D-A459-5ACA926AB9F2}" sibTransId="{2CB9CD99-6DA9-435B-8329-27CC048E24A4}"/>
     <dgm:cxn modelId="{DF5A25B8-37A5-46BA-BC71-442121601DAF}" srcId="{D1066CEE-5A1D-4AEC-842A-3333ECDE9DD2}" destId="{C487CC0F-ECF8-4FA6-BBE7-BF5BB8362587}" srcOrd="1" destOrd="0" parTransId="{173B7EE6-60C4-435D-85E0-3ED903DAA0C2}" sibTransId="{14B9924D-CEF0-4871-A139-67C2FE5A7B32}"/>
-    <dgm:cxn modelId="{236FDCAF-A080-4E7E-BDA4-0C611CBE9677}" type="presOf" srcId="{173B7EE6-60C4-435D-85E0-3ED903DAA0C2}" destId="{0F5F6D71-391F-4AC5-8B54-9F8B8788F561}" srcOrd="1" destOrd="0" presId="urn:microsoft.com/office/officeart/2005/8/layout/hierarchy2"/>
     <dgm:cxn modelId="{02A5570D-5B58-482D-A9B0-833E8AA91788}" type="presParOf" srcId="{FB98A60C-17A0-444E-B5E4-7BCC97C27B35}" destId="{B57B17B2-CA24-4FE0-8DF2-A1B9F15321A4}" srcOrd="0" destOrd="0" presId="urn:microsoft.com/office/officeart/2005/8/layout/hierarchy2"/>
     <dgm:cxn modelId="{6E69021B-1342-4527-8C65-01A07AA3FED7}" type="presParOf" srcId="{B57B17B2-CA24-4FE0-8DF2-A1B9F15321A4}" destId="{9B0DC48F-6234-4253-B279-AB27F1B1F1F8}" srcOrd="0" destOrd="0" presId="urn:microsoft.com/office/officeart/2005/8/layout/hierarchy2"/>
     <dgm:cxn modelId="{3C7E60F0-7FA9-4C06-ABB2-3720598ED2C7}" type="presParOf" srcId="{B57B17B2-CA24-4FE0-8DF2-A1B9F15321A4}" destId="{99641E1C-1428-459A-BB0A-6342E1F5ED87}" srcOrd="1" destOrd="0" presId="urn:microsoft.com/office/officeart/2005/8/layout/hierarchy2"/>
@@ -9867,7 +9867,7 @@
           <a:p>
             <a:fld id="{86EEA2BD-3247-472F-9D29-4F2F9DBCD757}" type="datetimeFigureOut">
               <a:rPr lang="en-IN" smtClean="0"/>
-              <a:t>30-09-2019</a:t>
+              <a:t>01-10-2019</a:t>
             </a:fld>
             <a:endParaRPr lang="en-IN"/>
           </a:p>
@@ -10037,7 +10037,7 @@
           <a:p>
             <a:fld id="{86EEA2BD-3247-472F-9D29-4F2F9DBCD757}" type="datetimeFigureOut">
               <a:rPr lang="en-IN" smtClean="0"/>
-              <a:t>30-09-2019</a:t>
+              <a:t>01-10-2019</a:t>
             </a:fld>
             <a:endParaRPr lang="en-IN"/>
           </a:p>
@@ -10217,7 +10217,7 @@
           <a:p>
             <a:fld id="{86EEA2BD-3247-472F-9D29-4F2F9DBCD757}" type="datetimeFigureOut">
               <a:rPr lang="en-IN" smtClean="0"/>
-              <a:t>30-09-2019</a:t>
+              <a:t>01-10-2019</a:t>
             </a:fld>
             <a:endParaRPr lang="en-IN"/>
           </a:p>
@@ -10387,7 +10387,7 @@
           <a:p>
             <a:fld id="{86EEA2BD-3247-472F-9D29-4F2F9DBCD757}" type="datetimeFigureOut">
               <a:rPr lang="en-IN" smtClean="0"/>
-              <a:t>30-09-2019</a:t>
+              <a:t>01-10-2019</a:t>
             </a:fld>
             <a:endParaRPr lang="en-IN"/>
           </a:p>
@@ -10633,7 +10633,7 @@
           <a:p>
             <a:fld id="{86EEA2BD-3247-472F-9D29-4F2F9DBCD757}" type="datetimeFigureOut">
               <a:rPr lang="en-IN" smtClean="0"/>
-              <a:t>30-09-2019</a:t>
+              <a:t>01-10-2019</a:t>
             </a:fld>
             <a:endParaRPr lang="en-IN"/>
           </a:p>
@@ -10865,7 +10865,7 @@
           <a:p>
             <a:fld id="{86EEA2BD-3247-472F-9D29-4F2F9DBCD757}" type="datetimeFigureOut">
               <a:rPr lang="en-IN" smtClean="0"/>
-              <a:t>30-09-2019</a:t>
+              <a:t>01-10-2019</a:t>
             </a:fld>
             <a:endParaRPr lang="en-IN"/>
           </a:p>
@@ -11232,7 +11232,7 @@
           <a:p>
             <a:fld id="{86EEA2BD-3247-472F-9D29-4F2F9DBCD757}" type="datetimeFigureOut">
               <a:rPr lang="en-IN" smtClean="0"/>
-              <a:t>30-09-2019</a:t>
+              <a:t>01-10-2019</a:t>
             </a:fld>
             <a:endParaRPr lang="en-IN"/>
           </a:p>
@@ -11350,7 +11350,7 @@
           <a:p>
             <a:fld id="{86EEA2BD-3247-472F-9D29-4F2F9DBCD757}" type="datetimeFigureOut">
               <a:rPr lang="en-IN" smtClean="0"/>
-              <a:t>30-09-2019</a:t>
+              <a:t>01-10-2019</a:t>
             </a:fld>
             <a:endParaRPr lang="en-IN"/>
           </a:p>
@@ -11445,7 +11445,7 @@
           <a:p>
             <a:fld id="{86EEA2BD-3247-472F-9D29-4F2F9DBCD757}" type="datetimeFigureOut">
               <a:rPr lang="en-IN" smtClean="0"/>
-              <a:t>30-09-2019</a:t>
+              <a:t>01-10-2019</a:t>
             </a:fld>
             <a:endParaRPr lang="en-IN"/>
           </a:p>
@@ -11722,7 +11722,7 @@
           <a:p>
             <a:fld id="{86EEA2BD-3247-472F-9D29-4F2F9DBCD757}" type="datetimeFigureOut">
               <a:rPr lang="en-IN" smtClean="0"/>
-              <a:t>30-09-2019</a:t>
+              <a:t>01-10-2019</a:t>
             </a:fld>
             <a:endParaRPr lang="en-IN"/>
           </a:p>
@@ -11975,7 +11975,7 @@
           <a:p>
             <a:fld id="{86EEA2BD-3247-472F-9D29-4F2F9DBCD757}" type="datetimeFigureOut">
               <a:rPr lang="en-IN" smtClean="0"/>
-              <a:t>30-09-2019</a:t>
+              <a:t>01-10-2019</a:t>
             </a:fld>
             <a:endParaRPr lang="en-IN"/>
           </a:p>
@@ -12188,7 +12188,7 @@
           <a:p>
             <a:fld id="{86EEA2BD-3247-472F-9D29-4F2F9DBCD757}" type="datetimeFigureOut">
               <a:rPr lang="en-IN" smtClean="0"/>
-              <a:t>30-09-2019</a:t>
+              <a:t>01-10-2019</a:t>
             </a:fld>
             <a:endParaRPr lang="en-IN"/>
           </a:p>
@@ -15947,6 +15947,50 @@
                             </p:childTnLst>
                           </p:cTn>
                         </p:par>
+                        <p:par>
+                          <p:cTn id="15" fill="hold">
+                            <p:stCondLst>
+                              <p:cond delay="900"/>
+                            </p:stCondLst>
+                            <p:childTnLst>
+                              <p:par>
+                                <p:cTn id="16" presetID="10" presetClass="entr" presetSubtype="0" fill="hold" grpId="0" nodeType="afterEffect">
+                                  <p:stCondLst>
+                                    <p:cond delay="0"/>
+                                  </p:stCondLst>
+                                  <p:childTnLst>
+                                    <p:set>
+                                      <p:cBhvr>
+                                        <p:cTn id="17" dur="1" fill="hold">
+                                          <p:stCondLst>
+                                            <p:cond delay="0"/>
+                                          </p:stCondLst>
+                                        </p:cTn>
+                                        <p:tgtEl>
+                                          <p:spTgt spid="2"/>
+                                        </p:tgtEl>
+                                        <p:attrNameLst>
+                                          <p:attrName>style.visibility</p:attrName>
+                                        </p:attrNameLst>
+                                      </p:cBhvr>
+                                      <p:to>
+                                        <p:strVal val="visible"/>
+                                      </p:to>
+                                    </p:set>
+                                    <p:animEffect transition="in" filter="fade">
+                                      <p:cBhvr>
+                                        <p:cTn id="18" dur="500"/>
+                                        <p:tgtEl>
+                                          <p:spTgt spid="2"/>
+                                        </p:tgtEl>
+                                      </p:cBhvr>
+                                    </p:animEffect>
+                                  </p:childTnLst>
+                                </p:cTn>
+                              </p:par>
+                            </p:childTnLst>
+                          </p:cTn>
+                        </p:par>
                       </p:childTnLst>
                     </p:cTn>
                   </p:par>
@@ -15974,6 +16018,7 @@
     <p:bldLst>
       <p:bldP spid="4" grpId="0" animBg="1"/>
       <p:bldP spid="5" grpId="0"/>
+      <p:bldP spid="2" grpId="0"/>
     </p:bldLst>
   </p:timing>
 </p:sld>
@@ -16887,6 +16932,182 @@
                             </p:childTnLst>
                           </p:cTn>
                         </p:par>
+                        <p:par>
+                          <p:cTn id="19" fill="hold">
+                            <p:stCondLst>
+                              <p:cond delay="1400"/>
+                            </p:stCondLst>
+                            <p:childTnLst>
+                              <p:par>
+                                <p:cTn id="20" presetID="10" presetClass="entr" presetSubtype="0" fill="hold" grpId="0" nodeType="afterEffect">
+                                  <p:stCondLst>
+                                    <p:cond delay="0"/>
+                                  </p:stCondLst>
+                                  <p:childTnLst>
+                                    <p:set>
+                                      <p:cBhvr>
+                                        <p:cTn id="21" dur="1" fill="hold">
+                                          <p:stCondLst>
+                                            <p:cond delay="0"/>
+                                          </p:stCondLst>
+                                        </p:cTn>
+                                        <p:tgtEl>
+                                          <p:spTgt spid="7"/>
+                                        </p:tgtEl>
+                                        <p:attrNameLst>
+                                          <p:attrName>style.visibility</p:attrName>
+                                        </p:attrNameLst>
+                                      </p:cBhvr>
+                                      <p:to>
+                                        <p:strVal val="visible"/>
+                                      </p:to>
+                                    </p:set>
+                                    <p:animEffect transition="in" filter="fade">
+                                      <p:cBhvr>
+                                        <p:cTn id="22" dur="500"/>
+                                        <p:tgtEl>
+                                          <p:spTgt spid="7"/>
+                                        </p:tgtEl>
+                                      </p:cBhvr>
+                                    </p:animEffect>
+                                  </p:childTnLst>
+                                </p:cTn>
+                              </p:par>
+                            </p:childTnLst>
+                          </p:cTn>
+                        </p:par>
+                        <p:par>
+                          <p:cTn id="23" fill="hold">
+                            <p:stCondLst>
+                              <p:cond delay="1900"/>
+                            </p:stCondLst>
+                            <p:childTnLst>
+                              <p:par>
+                                <p:cTn id="24" presetID="10" presetClass="entr" presetSubtype="0" fill="hold" grpId="0" nodeType="afterEffect">
+                                  <p:stCondLst>
+                                    <p:cond delay="0"/>
+                                  </p:stCondLst>
+                                  <p:childTnLst>
+                                    <p:set>
+                                      <p:cBhvr>
+                                        <p:cTn id="25" dur="1" fill="hold">
+                                          <p:stCondLst>
+                                            <p:cond delay="0"/>
+                                          </p:stCondLst>
+                                        </p:cTn>
+                                        <p:tgtEl>
+                                          <p:spTgt spid="8"/>
+                                        </p:tgtEl>
+                                        <p:attrNameLst>
+                                          <p:attrName>style.visibility</p:attrName>
+                                        </p:attrNameLst>
+                                      </p:cBhvr>
+                                      <p:to>
+                                        <p:strVal val="visible"/>
+                                      </p:to>
+                                    </p:set>
+                                    <p:animEffect transition="in" filter="fade">
+                                      <p:cBhvr>
+                                        <p:cTn id="26" dur="500"/>
+                                        <p:tgtEl>
+                                          <p:spTgt spid="8"/>
+                                        </p:tgtEl>
+                                      </p:cBhvr>
+                                    </p:animEffect>
+                                  </p:childTnLst>
+                                </p:cTn>
+                              </p:par>
+                            </p:childTnLst>
+                          </p:cTn>
+                        </p:par>
+                        <p:par>
+                          <p:cTn id="27" fill="hold">
+                            <p:stCondLst>
+                              <p:cond delay="2400"/>
+                            </p:stCondLst>
+                            <p:childTnLst>
+                              <p:par>
+                                <p:cTn id="28" presetID="10" presetClass="entr" presetSubtype="0" fill="hold" grpId="0" nodeType="afterEffect">
+                                  <p:stCondLst>
+                                    <p:cond delay="0"/>
+                                  </p:stCondLst>
+                                  <p:childTnLst>
+                                    <p:set>
+                                      <p:cBhvr>
+                                        <p:cTn id="29" dur="1" fill="hold">
+                                          <p:stCondLst>
+                                            <p:cond delay="0"/>
+                                          </p:stCondLst>
+                                        </p:cTn>
+                                        <p:tgtEl>
+                                          <p:spTgt spid="10"/>
+                                        </p:tgtEl>
+                                        <p:attrNameLst>
+                                          <p:attrName>style.visibility</p:attrName>
+                                        </p:attrNameLst>
+                                      </p:cBhvr>
+                                      <p:to>
+                                        <p:strVal val="visible"/>
+                                      </p:to>
+                                    </p:set>
+                                    <p:animEffect transition="in" filter="fade">
+                                      <p:cBhvr>
+                                        <p:cTn id="30" dur="500"/>
+                                        <p:tgtEl>
+                                          <p:spTgt spid="10"/>
+                                        </p:tgtEl>
+                                      </p:cBhvr>
+                                    </p:animEffect>
+                                  </p:childTnLst>
+                                </p:cTn>
+                              </p:par>
+                            </p:childTnLst>
+                          </p:cTn>
+                        </p:par>
+                        <p:par>
+                          <p:cTn id="31" fill="hold">
+                            <p:stCondLst>
+                              <p:cond delay="2900"/>
+                            </p:stCondLst>
+                            <p:childTnLst>
+                              <p:par>
+                                <p:cTn id="32" presetID="10" presetClass="entr" presetSubtype="0" fill="hold" grpId="0" nodeType="afterEffect">
+                                  <p:stCondLst>
+                                    <p:cond delay="0"/>
+                                  </p:stCondLst>
+                                  <p:childTnLst>
+                                    <p:set>
+                                      <p:cBhvr>
+                                        <p:cTn id="33" dur="1" fill="hold">
+                                          <p:stCondLst>
+                                            <p:cond delay="0"/>
+                                          </p:stCondLst>
+                                        </p:cTn>
+                                        <p:tgtEl>
+                                          <p:spTgt spid="3"/>
+                                        </p:tgtEl>
+                                        <p:attrNameLst>
+                                          <p:attrName>style.visibility</p:attrName>
+                                        </p:attrNameLst>
+                                      </p:cBhvr>
+                                      <p:to>
+                                        <p:strVal val="visible"/>
+                                      </p:to>
+                                    </p:set>
+                                    <p:animEffect transition="in" filter="fade">
+                                      <p:cBhvr>
+                                        <p:cTn id="34" dur="500"/>
+                                        <p:tgtEl>
+                                          <p:spTgt spid="3"/>
+                                        </p:tgtEl>
+                                      </p:cBhvr>
+                                    </p:animEffect>
+                                  </p:childTnLst>
+                                </p:cTn>
+                              </p:par>
+                            </p:childTnLst>
+                          </p:cTn>
+                        </p:par>
                       </p:childTnLst>
                     </p:cTn>
                   </p:par>
@@ -16915,6 +17136,10 @@
       <p:bldP spid="4" grpId="0" animBg="1"/>
       <p:bldP spid="5" grpId="0"/>
       <p:bldP spid="6" grpId="0"/>
+      <p:bldP spid="3" grpId="0"/>
+      <p:bldP spid="7" grpId="0"/>
+      <p:bldP spid="8" grpId="0"/>
+      <p:bldP spid="10" grpId="0"/>
     </p:bldLst>
   </p:timing>
 </p:sld>
@@ -18454,6 +18679,50 @@
                             </p:childTnLst>
                           </p:cTn>
                         </p:par>
+                        <p:par>
+                          <p:cTn id="15" fill="hold">
+                            <p:stCondLst>
+                              <p:cond delay="900"/>
+                            </p:stCondLst>
+                            <p:childTnLst>
+                              <p:par>
+                                <p:cTn id="16" presetID="10" presetClass="entr" presetSubtype="0" fill="hold" grpId="0" nodeType="afterEffect">
+                                  <p:stCondLst>
+                                    <p:cond delay="0"/>
+                                  </p:stCondLst>
+                                  <p:childTnLst>
+                                    <p:set>
+                                      <p:cBhvr>
+                                        <p:cTn id="17" dur="1" fill="hold">
+                                          <p:stCondLst>
+                                            <p:cond delay="0"/>
+                                          </p:stCondLst>
+                                        </p:cTn>
+                                        <p:tgtEl>
+                                          <p:spTgt spid="2"/>
+                                        </p:tgtEl>
+                                        <p:attrNameLst>
+                                          <p:attrName>style.visibility</p:attrName>
+                                        </p:attrNameLst>
+                                      </p:cBhvr>
+                                      <p:to>
+                                        <p:strVal val="visible"/>
+                                      </p:to>
+                                    </p:set>
+                                    <p:animEffect transition="in" filter="fade">
+                                      <p:cBhvr>
+                                        <p:cTn id="18" dur="500"/>
+                                        <p:tgtEl>
+                                          <p:spTgt spid="2"/>
+                                        </p:tgtEl>
+                                      </p:cBhvr>
+                                    </p:animEffect>
+                                  </p:childTnLst>
+                                </p:cTn>
+                              </p:par>
+                            </p:childTnLst>
+                          </p:cTn>
+                        </p:par>
                       </p:childTnLst>
                     </p:cTn>
                   </p:par>
@@ -18481,6 +18750,9 @@
     <p:bldLst>
       <p:bldP spid="4" grpId="0" animBg="1"/>
       <p:bldP spid="5" grpId="0"/>
+      <p:bldGraphic spid="2" grpId="0">
+        <p:bldAsOne/>
+      </p:bldGraphic>
     </p:bldLst>
   </p:timing>
 </p:sld>
@@ -19006,22 +19278,13 @@
           <a:p>
             <a:r>
               <a:rPr lang="en-US" dirty="0" smtClean="0"/>
-              <a:t>Trace ID : </a:t>
+              <a:t>Trace ID : trace1</a:t>
             </a:r>
-            <a:r>
-              <a:rPr lang="en-US" dirty="0" smtClean="0"/>
-              <a:t>trace1</a:t>
-            </a:r>
-            <a:endParaRPr lang="en-US" dirty="0" smtClean="0"/>
           </a:p>
           <a:p>
             <a:r>
               <a:rPr lang="en-US" dirty="0" smtClean="0"/>
-              <a:t>Span ID : </a:t>
-            </a:r>
-            <a:r>
-              <a:rPr lang="en-US" dirty="0" smtClean="0"/>
-              <a:t>span1</a:t>
+              <a:t>Span ID : span1</a:t>
             </a:r>
             <a:endParaRPr lang="en-US" dirty="0"/>
           </a:p>
@@ -19052,7 +19315,6 @@
               <a:rPr lang="en-US" dirty="0"/>
               <a:t>trace1</a:t>
             </a:r>
-            <a:endParaRPr lang="en-US" dirty="0"/>
           </a:p>
         </p:txBody>
       </p:sp>
@@ -19081,7 +19343,6 @@
               <a:rPr lang="en-US" dirty="0"/>
               <a:t>trace1</a:t>
             </a:r>
-            <a:endParaRPr lang="en-US" dirty="0"/>
           </a:p>
         </p:txBody>
       </p:sp>
@@ -19120,11 +19381,7 @@
           <a:p>
             <a:r>
               <a:rPr lang="en-US" dirty="0" smtClean="0"/>
-              <a:t>Span ID : </a:t>
-            </a:r>
-            <a:r>
-              <a:rPr lang="en-US" dirty="0" smtClean="0"/>
-              <a:t>span2</a:t>
+              <a:t>Span ID : span2</a:t>
             </a:r>
             <a:endParaRPr lang="en-US" dirty="0"/>
           </a:p>
@@ -19165,11 +19422,7 @@
           <a:p>
             <a:r>
               <a:rPr lang="en-US" dirty="0" smtClean="0"/>
-              <a:t>Span ID : </a:t>
-            </a:r>
-            <a:r>
-              <a:rPr lang="en-US" dirty="0" smtClean="0"/>
-              <a:t>span3</a:t>
+              <a:t>Span ID : span3</a:t>
             </a:r>
             <a:endParaRPr lang="en-US" dirty="0"/>
           </a:p>
@@ -19210,11 +19463,7 @@
           <a:p>
             <a:r>
               <a:rPr lang="en-US" dirty="0" smtClean="0"/>
-              <a:t>Span ID : </a:t>
-            </a:r>
-            <a:r>
-              <a:rPr lang="en-US" dirty="0" smtClean="0"/>
-              <a:t>span4</a:t>
+              <a:t>Span ID : span4</a:t>
             </a:r>
             <a:endParaRPr lang="en-US" dirty="0"/>
           </a:p>
@@ -19255,11 +19504,7 @@
           <a:p>
             <a:r>
               <a:rPr lang="en-US" dirty="0" smtClean="0"/>
-              <a:t>Span ID : </a:t>
-            </a:r>
-            <a:r>
-              <a:rPr lang="en-US" dirty="0" smtClean="0"/>
-              <a:t>span5</a:t>
+              <a:t>Span ID : span5</a:t>
             </a:r>
             <a:endParaRPr lang="en-US" dirty="0"/>
           </a:p>
@@ -19300,11 +19545,7 @@
           <a:p>
             <a:r>
               <a:rPr lang="en-US" dirty="0" smtClean="0"/>
-              <a:t>Span ID : </a:t>
-            </a:r>
-            <a:r>
-              <a:rPr lang="en-US" dirty="0" smtClean="0"/>
-              <a:t>span6</a:t>
+              <a:t>Span ID : span6</a:t>
             </a:r>
             <a:endParaRPr lang="en-US" dirty="0"/>
           </a:p>
@@ -19335,7 +19576,6 @@
               <a:rPr lang="en-US" dirty="0"/>
               <a:t>trace1</a:t>
             </a:r>
-            <a:endParaRPr lang="en-US" dirty="0"/>
           </a:p>
         </p:txBody>
       </p:sp>
@@ -19364,7 +19604,6 @@
               <a:rPr lang="en-US" dirty="0"/>
               <a:t>trace1</a:t>
             </a:r>
-            <a:endParaRPr lang="en-US" dirty="0"/>
           </a:p>
         </p:txBody>
       </p:sp>
@@ -19393,7 +19632,6 @@
               <a:rPr lang="en-US" dirty="0"/>
               <a:t>trace1</a:t>
             </a:r>
-            <a:endParaRPr lang="en-US" dirty="0"/>
           </a:p>
         </p:txBody>
       </p:sp>
@@ -19595,6 +19833,586 @@
                             </p:childTnLst>
                           </p:cTn>
                         </p:par>
+                        <p:par>
+                          <p:cTn id="15" fill="hold">
+                            <p:stCondLst>
+                              <p:cond delay="900"/>
+                            </p:stCondLst>
+                            <p:childTnLst>
+                              <p:par>
+                                <p:cTn id="16" presetID="10" presetClass="entr" presetSubtype="0" fill="hold" grpId="0" nodeType="afterEffect">
+                                  <p:stCondLst>
+                                    <p:cond delay="0"/>
+                                  </p:stCondLst>
+                                  <p:childTnLst>
+                                    <p:set>
+                                      <p:cBhvr>
+                                        <p:cTn id="17" dur="1" fill="hold">
+                                          <p:stCondLst>
+                                            <p:cond delay="0"/>
+                                          </p:stCondLst>
+                                        </p:cTn>
+                                        <p:tgtEl>
+                                          <p:spTgt spid="2"/>
+                                        </p:tgtEl>
+                                        <p:attrNameLst>
+                                          <p:attrName>style.visibility</p:attrName>
+                                        </p:attrNameLst>
+                                      </p:cBhvr>
+                                      <p:to>
+                                        <p:strVal val="visible"/>
+                                      </p:to>
+                                    </p:set>
+                                    <p:animEffect transition="in" filter="fade">
+                                      <p:cBhvr>
+                                        <p:cTn id="18" dur="500"/>
+                                        <p:tgtEl>
+                                          <p:spTgt spid="2"/>
+                                        </p:tgtEl>
+                                      </p:cBhvr>
+                                    </p:animEffect>
+                                  </p:childTnLst>
+                                </p:cTn>
+                              </p:par>
+                            </p:childTnLst>
+                          </p:cTn>
+                        </p:par>
+                        <p:par>
+                          <p:cTn id="19" fill="hold">
+                            <p:stCondLst>
+                              <p:cond delay="1400"/>
+                            </p:stCondLst>
+                            <p:childTnLst>
+                              <p:par>
+                                <p:cTn id="20" presetID="10" presetClass="entr" presetSubtype="0" fill="hold" grpId="0" nodeType="afterEffect">
+                                  <p:stCondLst>
+                                    <p:cond delay="0"/>
+                                  </p:stCondLst>
+                                  <p:childTnLst>
+                                    <p:set>
+                                      <p:cBhvr>
+                                        <p:cTn id="21" dur="1" fill="hold">
+                                          <p:stCondLst>
+                                            <p:cond delay="0"/>
+                                          </p:stCondLst>
+                                        </p:cTn>
+                                        <p:tgtEl>
+                                          <p:spTgt spid="7"/>
+                                        </p:tgtEl>
+                                        <p:attrNameLst>
+                                          <p:attrName>style.visibility</p:attrName>
+                                        </p:attrNameLst>
+                                      </p:cBhvr>
+                                      <p:to>
+                                        <p:strVal val="visible"/>
+                                      </p:to>
+                                    </p:set>
+                                    <p:animEffect transition="in" filter="fade">
+                                      <p:cBhvr>
+                                        <p:cTn id="22" dur="500"/>
+                                        <p:tgtEl>
+                                          <p:spTgt spid="7"/>
+                                        </p:tgtEl>
+                                      </p:cBhvr>
+                                    </p:animEffect>
+                                  </p:childTnLst>
+                                </p:cTn>
+                              </p:par>
+                            </p:childTnLst>
+                          </p:cTn>
+                        </p:par>
+                        <p:par>
+                          <p:cTn id="23" fill="hold">
+                            <p:stCondLst>
+                              <p:cond delay="1900"/>
+                            </p:stCondLst>
+                            <p:childTnLst>
+                              <p:par>
+                                <p:cTn id="24" presetID="10" presetClass="entr" presetSubtype="0" fill="hold" grpId="0" nodeType="afterEffect">
+                                  <p:stCondLst>
+                                    <p:cond delay="0"/>
+                                  </p:stCondLst>
+                                  <p:childTnLst>
+                                    <p:set>
+                                      <p:cBhvr>
+                                        <p:cTn id="25" dur="1" fill="hold">
+                                          <p:stCondLst>
+                                            <p:cond delay="0"/>
+                                          </p:stCondLst>
+                                        </p:cTn>
+                                        <p:tgtEl>
+                                          <p:spTgt spid="3"/>
+                                        </p:tgtEl>
+                                        <p:attrNameLst>
+                                          <p:attrName>style.visibility</p:attrName>
+                                        </p:attrNameLst>
+                                      </p:cBhvr>
+                                      <p:to>
+                                        <p:strVal val="visible"/>
+                                      </p:to>
+                                    </p:set>
+                                    <p:animEffect transition="in" filter="fade">
+                                      <p:cBhvr>
+                                        <p:cTn id="26" dur="500"/>
+                                        <p:tgtEl>
+                                          <p:spTgt spid="3"/>
+                                        </p:tgtEl>
+                                      </p:cBhvr>
+                                    </p:animEffect>
+                                  </p:childTnLst>
+                                </p:cTn>
+                              </p:par>
+                            </p:childTnLst>
+                          </p:cTn>
+                        </p:par>
+                        <p:par>
+                          <p:cTn id="27" fill="hold">
+                            <p:stCondLst>
+                              <p:cond delay="2400"/>
+                            </p:stCondLst>
+                            <p:childTnLst>
+                              <p:par>
+                                <p:cTn id="28" presetID="10" presetClass="entr" presetSubtype="0" fill="hold" grpId="0" nodeType="afterEffect">
+                                  <p:stCondLst>
+                                    <p:cond delay="0"/>
+                                  </p:stCondLst>
+                                  <p:childTnLst>
+                                    <p:set>
+                                      <p:cBhvr>
+                                        <p:cTn id="29" dur="1" fill="hold">
+                                          <p:stCondLst>
+                                            <p:cond delay="0"/>
+                                          </p:stCondLst>
+                                        </p:cTn>
+                                        <p:tgtEl>
+                                          <p:spTgt spid="14"/>
+                                        </p:tgtEl>
+                                        <p:attrNameLst>
+                                          <p:attrName>style.visibility</p:attrName>
+                                        </p:attrNameLst>
+                                      </p:cBhvr>
+                                      <p:to>
+                                        <p:strVal val="visible"/>
+                                      </p:to>
+                                    </p:set>
+                                    <p:animEffect transition="in" filter="fade">
+                                      <p:cBhvr>
+                                        <p:cTn id="30" dur="500"/>
+                                        <p:tgtEl>
+                                          <p:spTgt spid="14"/>
+                                        </p:tgtEl>
+                                      </p:cBhvr>
+                                    </p:animEffect>
+                                  </p:childTnLst>
+                                </p:cTn>
+                              </p:par>
+                            </p:childTnLst>
+                          </p:cTn>
+                        </p:par>
+                        <p:par>
+                          <p:cTn id="31" fill="hold">
+                            <p:stCondLst>
+                              <p:cond delay="2900"/>
+                            </p:stCondLst>
+                            <p:childTnLst>
+                              <p:par>
+                                <p:cTn id="32" presetID="10" presetClass="entr" presetSubtype="0" fill="hold" grpId="0" nodeType="afterEffect">
+                                  <p:stCondLst>
+                                    <p:cond delay="0"/>
+                                  </p:stCondLst>
+                                  <p:childTnLst>
+                                    <p:set>
+                                      <p:cBhvr>
+                                        <p:cTn id="33" dur="1" fill="hold">
+                                          <p:stCondLst>
+                                            <p:cond delay="0"/>
+                                          </p:stCondLst>
+                                        </p:cTn>
+                                        <p:tgtEl>
+                                          <p:spTgt spid="8"/>
+                                        </p:tgtEl>
+                                        <p:attrNameLst>
+                                          <p:attrName>style.visibility</p:attrName>
+                                        </p:attrNameLst>
+                                      </p:cBhvr>
+                                      <p:to>
+                                        <p:strVal val="visible"/>
+                                      </p:to>
+                                    </p:set>
+                                    <p:animEffect transition="in" filter="fade">
+                                      <p:cBhvr>
+                                        <p:cTn id="34" dur="500"/>
+                                        <p:tgtEl>
+                                          <p:spTgt spid="8"/>
+                                        </p:tgtEl>
+                                      </p:cBhvr>
+                                    </p:animEffect>
+                                  </p:childTnLst>
+                                </p:cTn>
+                              </p:par>
+                            </p:childTnLst>
+                          </p:cTn>
+                        </p:par>
+                        <p:par>
+                          <p:cTn id="35" fill="hold">
+                            <p:stCondLst>
+                              <p:cond delay="3400"/>
+                            </p:stCondLst>
+                            <p:childTnLst>
+                              <p:par>
+                                <p:cTn id="36" presetID="10" presetClass="entr" presetSubtype="0" fill="hold" grpId="0" nodeType="afterEffect">
+                                  <p:stCondLst>
+                                    <p:cond delay="0"/>
+                                  </p:stCondLst>
+                                  <p:childTnLst>
+                                    <p:set>
+                                      <p:cBhvr>
+                                        <p:cTn id="37" dur="1" fill="hold">
+                                          <p:stCondLst>
+                                            <p:cond delay="0"/>
+                                          </p:stCondLst>
+                                        </p:cTn>
+                                        <p:tgtEl>
+                                          <p:spTgt spid="9"/>
+                                        </p:tgtEl>
+                                        <p:attrNameLst>
+                                          <p:attrName>style.visibility</p:attrName>
+                                        </p:attrNameLst>
+                                      </p:cBhvr>
+                                      <p:to>
+                                        <p:strVal val="visible"/>
+                                      </p:to>
+                                    </p:set>
+                                    <p:animEffect transition="in" filter="fade">
+                                      <p:cBhvr>
+                                        <p:cTn id="38" dur="500"/>
+                                        <p:tgtEl>
+                                          <p:spTgt spid="9"/>
+                                        </p:tgtEl>
+                                      </p:cBhvr>
+                                    </p:animEffect>
+                                  </p:childTnLst>
+                                </p:cTn>
+                              </p:par>
+                            </p:childTnLst>
+                          </p:cTn>
+                        </p:par>
+                        <p:par>
+                          <p:cTn id="39" fill="hold">
+                            <p:stCondLst>
+                              <p:cond delay="3900"/>
+                            </p:stCondLst>
+                            <p:childTnLst>
+                              <p:par>
+                                <p:cTn id="40" presetID="10" presetClass="entr" presetSubtype="0" fill="hold" grpId="0" nodeType="afterEffect">
+                                  <p:stCondLst>
+                                    <p:cond delay="0"/>
+                                  </p:stCondLst>
+                                  <p:childTnLst>
+                                    <p:set>
+                                      <p:cBhvr>
+                                        <p:cTn id="41" dur="1" fill="hold">
+                                          <p:stCondLst>
+                                            <p:cond delay="0"/>
+                                          </p:stCondLst>
+                                        </p:cTn>
+                                        <p:tgtEl>
+                                          <p:spTgt spid="10"/>
+                                        </p:tgtEl>
+                                        <p:attrNameLst>
+                                          <p:attrName>style.visibility</p:attrName>
+                                        </p:attrNameLst>
+                                      </p:cBhvr>
+                                      <p:to>
+                                        <p:strVal val="visible"/>
+                                      </p:to>
+                                    </p:set>
+                                    <p:animEffect transition="in" filter="fade">
+                                      <p:cBhvr>
+                                        <p:cTn id="42" dur="500"/>
+                                        <p:tgtEl>
+                                          <p:spTgt spid="10"/>
+                                        </p:tgtEl>
+                                      </p:cBhvr>
+                                    </p:animEffect>
+                                  </p:childTnLst>
+                                </p:cTn>
+                              </p:par>
+                            </p:childTnLst>
+                          </p:cTn>
+                        </p:par>
+                        <p:par>
+                          <p:cTn id="43" fill="hold">
+                            <p:stCondLst>
+                              <p:cond delay="4400"/>
+                            </p:stCondLst>
+                            <p:childTnLst>
+                              <p:par>
+                                <p:cTn id="44" presetID="10" presetClass="entr" presetSubtype="0" fill="hold" grpId="0" nodeType="afterEffect">
+                                  <p:stCondLst>
+                                    <p:cond delay="0"/>
+                                  </p:stCondLst>
+                                  <p:childTnLst>
+                                    <p:set>
+                                      <p:cBhvr>
+                                        <p:cTn id="45" dur="1" fill="hold">
+                                          <p:stCondLst>
+                                            <p:cond delay="0"/>
+                                          </p:stCondLst>
+                                        </p:cTn>
+                                        <p:tgtEl>
+                                          <p:spTgt spid="6"/>
+                                        </p:tgtEl>
+                                        <p:attrNameLst>
+                                          <p:attrName>style.visibility</p:attrName>
+                                        </p:attrNameLst>
+                                      </p:cBhvr>
+                                      <p:to>
+                                        <p:strVal val="visible"/>
+                                      </p:to>
+                                    </p:set>
+                                    <p:animEffect transition="in" filter="fade">
+                                      <p:cBhvr>
+                                        <p:cTn id="46" dur="500"/>
+                                        <p:tgtEl>
+                                          <p:spTgt spid="6"/>
+                                        </p:tgtEl>
+                                      </p:cBhvr>
+                                    </p:animEffect>
+                                  </p:childTnLst>
+                                </p:cTn>
+                              </p:par>
+                            </p:childTnLst>
+                          </p:cTn>
+                        </p:par>
+                        <p:par>
+                          <p:cTn id="47" fill="hold">
+                            <p:stCondLst>
+                              <p:cond delay="4900"/>
+                            </p:stCondLst>
+                            <p:childTnLst>
+                              <p:par>
+                                <p:cTn id="48" presetID="10" presetClass="entr" presetSubtype="0" fill="hold" nodeType="afterEffect">
+                                  <p:stCondLst>
+                                    <p:cond delay="0"/>
+                                  </p:stCondLst>
+                                  <p:childTnLst>
+                                    <p:set>
+                                      <p:cBhvr>
+                                        <p:cTn id="49" dur="1" fill="hold">
+                                          <p:stCondLst>
+                                            <p:cond delay="0"/>
+                                          </p:stCondLst>
+                                        </p:cTn>
+                                        <p:tgtEl>
+                                          <p:spTgt spid="16">
+                                            <p:txEl>
+                                              <p:pRg st="0" end="0"/>
+                                            </p:txEl>
+                                          </p:spTgt>
+                                        </p:tgtEl>
+                                        <p:attrNameLst>
+                                          <p:attrName>style.visibility</p:attrName>
+                                        </p:attrNameLst>
+                                      </p:cBhvr>
+                                      <p:to>
+                                        <p:strVal val="visible"/>
+                                      </p:to>
+                                    </p:set>
+                                    <p:animEffect transition="in" filter="fade">
+                                      <p:cBhvr>
+                                        <p:cTn id="50" dur="500"/>
+                                        <p:tgtEl>
+                                          <p:spTgt spid="16">
+                                            <p:txEl>
+                                              <p:pRg st="0" end="0"/>
+                                            </p:txEl>
+                                          </p:spTgt>
+                                        </p:tgtEl>
+                                      </p:cBhvr>
+                                    </p:animEffect>
+                                  </p:childTnLst>
+                                </p:cTn>
+                              </p:par>
+                            </p:childTnLst>
+                          </p:cTn>
+                        </p:par>
+                        <p:par>
+                          <p:cTn id="51" fill="hold">
+                            <p:stCondLst>
+                              <p:cond delay="5400"/>
+                            </p:stCondLst>
+                            <p:childTnLst>
+                              <p:par>
+                                <p:cTn id="52" presetID="10" presetClass="entr" presetSubtype="0" fill="hold" grpId="0" nodeType="afterEffect">
+                                  <p:stCondLst>
+                                    <p:cond delay="0"/>
+                                  </p:stCondLst>
+                                  <p:childTnLst>
+                                    <p:set>
+                                      <p:cBhvr>
+                                        <p:cTn id="53" dur="1" fill="hold">
+                                          <p:stCondLst>
+                                            <p:cond delay="0"/>
+                                          </p:stCondLst>
+                                        </p:cTn>
+                                        <p:tgtEl>
+                                          <p:spTgt spid="15"/>
+                                        </p:tgtEl>
+                                        <p:attrNameLst>
+                                          <p:attrName>style.visibility</p:attrName>
+                                        </p:attrNameLst>
+                                      </p:cBhvr>
+                                      <p:to>
+                                        <p:strVal val="visible"/>
+                                      </p:to>
+                                    </p:set>
+                                    <p:animEffect transition="in" filter="fade">
+                                      <p:cBhvr>
+                                        <p:cTn id="54" dur="500"/>
+                                        <p:tgtEl>
+                                          <p:spTgt spid="15"/>
+                                        </p:tgtEl>
+                                      </p:cBhvr>
+                                    </p:animEffect>
+                                  </p:childTnLst>
+                                </p:cTn>
+                              </p:par>
+                            </p:childTnLst>
+                          </p:cTn>
+                        </p:par>
+                        <p:par>
+                          <p:cTn id="55" fill="hold">
+                            <p:stCondLst>
+                              <p:cond delay="5900"/>
+                            </p:stCondLst>
+                            <p:childTnLst>
+                              <p:par>
+                                <p:cTn id="56" presetID="10" presetClass="entr" presetSubtype="0" fill="hold" grpId="0" nodeType="afterEffect">
+                                  <p:stCondLst>
+                                    <p:cond delay="0"/>
+                                  </p:stCondLst>
+                                  <p:childTnLst>
+                                    <p:set>
+                                      <p:cBhvr>
+                                        <p:cTn id="57" dur="1" fill="hold">
+                                          <p:stCondLst>
+                                            <p:cond delay="0"/>
+                                          </p:stCondLst>
+                                        </p:cTn>
+                                        <p:tgtEl>
+                                          <p:spTgt spid="11"/>
+                                        </p:tgtEl>
+                                        <p:attrNameLst>
+                                          <p:attrName>style.visibility</p:attrName>
+                                        </p:attrNameLst>
+                                      </p:cBhvr>
+                                      <p:to>
+                                        <p:strVal val="visible"/>
+                                      </p:to>
+                                    </p:set>
+                                    <p:animEffect transition="in" filter="fade">
+                                      <p:cBhvr>
+                                        <p:cTn id="58" dur="500"/>
+                                        <p:tgtEl>
+                                          <p:spTgt spid="11"/>
+                                        </p:tgtEl>
+                                      </p:cBhvr>
+                                    </p:animEffect>
+                                  </p:childTnLst>
+                                </p:cTn>
+                              </p:par>
+                            </p:childTnLst>
+                          </p:cTn>
+                        </p:par>
+                        <p:par>
+                          <p:cTn id="59" fill="hold">
+                            <p:stCondLst>
+                              <p:cond delay="6400"/>
+                            </p:stCondLst>
+                            <p:childTnLst>
+                              <p:par>
+                                <p:cTn id="60" presetID="10" presetClass="entr" presetSubtype="0" fill="hold" grpId="0" nodeType="afterEffect">
+                                  <p:stCondLst>
+                                    <p:cond delay="0"/>
+                                  </p:stCondLst>
+                                  <p:childTnLst>
+                                    <p:set>
+                                      <p:cBhvr>
+                                        <p:cTn id="61" dur="1" fill="hold">
+                                          <p:stCondLst>
+                                            <p:cond delay="0"/>
+                                          </p:stCondLst>
+                                        </p:cTn>
+                                        <p:tgtEl>
+                                          <p:spTgt spid="12"/>
+                                        </p:tgtEl>
+                                        <p:attrNameLst>
+                                          <p:attrName>style.visibility</p:attrName>
+                                        </p:attrNameLst>
+                                      </p:cBhvr>
+                                      <p:to>
+                                        <p:strVal val="visible"/>
+                                      </p:to>
+                                    </p:set>
+                                    <p:animEffect transition="in" filter="fade">
+                                      <p:cBhvr>
+                                        <p:cTn id="62" dur="500"/>
+                                        <p:tgtEl>
+                                          <p:spTgt spid="12"/>
+                                        </p:tgtEl>
+                                      </p:cBhvr>
+                                    </p:animEffect>
+                                  </p:childTnLst>
+                                </p:cTn>
+                              </p:par>
+                            </p:childTnLst>
+                          </p:cTn>
+                        </p:par>
+                        <p:par>
+                          <p:cTn id="63" fill="hold">
+                            <p:stCondLst>
+                              <p:cond delay="6900"/>
+                            </p:stCondLst>
+                            <p:childTnLst>
+                              <p:par>
+                                <p:cTn id="64" presetID="10" presetClass="entr" presetSubtype="0" fill="hold" grpId="0" nodeType="afterEffect">
+                                  <p:stCondLst>
+                                    <p:cond delay="0"/>
+                                  </p:stCondLst>
+                                  <p:childTnLst>
+                                    <p:set>
+                                      <p:cBhvr>
+                                        <p:cTn id="65" dur="1" fill="hold">
+                                          <p:stCondLst>
+                                            <p:cond delay="0"/>
+                                          </p:stCondLst>
+                                        </p:cTn>
+                                        <p:tgtEl>
+                                          <p:spTgt spid="13"/>
+                                        </p:tgtEl>
+                                        <p:attrNameLst>
+                                          <p:attrName>style.visibility</p:attrName>
+                                        </p:attrNameLst>
+                                      </p:cBhvr>
+                                      <p:to>
+                                        <p:strVal val="visible"/>
+                                      </p:to>
+                                    </p:set>
+                                    <p:animEffect transition="in" filter="fade">
+                                      <p:cBhvr>
+                                        <p:cTn id="66" dur="500"/>
+                                        <p:tgtEl>
+                                          <p:spTgt spid="13"/>
+                                        </p:tgtEl>
+                                      </p:cBhvr>
+                                    </p:animEffect>
+                                  </p:childTnLst>
+                                </p:cTn>
+                              </p:par>
+                            </p:childTnLst>
+                          </p:cTn>
+                        </p:par>
                       </p:childTnLst>
                     </p:cTn>
                   </p:par>
@@ -19622,6 +20440,20 @@
     <p:bldLst>
       <p:bldP spid="4" grpId="0" animBg="1"/>
       <p:bldP spid="5" grpId="0"/>
+      <p:bldP spid="2" grpId="0"/>
+      <p:bldGraphic spid="7" grpId="0">
+        <p:bldAsOne/>
+      </p:bldGraphic>
+      <p:bldP spid="3" grpId="0"/>
+      <p:bldP spid="6" grpId="0"/>
+      <p:bldP spid="8" grpId="0"/>
+      <p:bldP spid="9" grpId="0"/>
+      <p:bldP spid="10" grpId="0"/>
+      <p:bldP spid="11" grpId="0"/>
+      <p:bldP spid="12" grpId="0"/>
+      <p:bldP spid="13" grpId="0"/>
+      <p:bldP spid="14" grpId="0"/>
+      <p:bldP spid="15" grpId="0"/>
     </p:bldLst>
   </p:timing>
 </p:sld>
@@ -20111,16 +20943,53 @@
           </a:p>
         </p:txBody>
       </p:sp>
+      <p:sp>
+        <p:nvSpPr>
+          <p:cNvPr id="6" name="Rectangle 5"/>
+          <p:cNvSpPr/>
+          <p:nvPr/>
+        </p:nvSpPr>
+        <p:spPr>
+          <a:xfrm>
+            <a:off x="998021" y="6537101"/>
+            <a:ext cx="10572985" cy="369332"/>
+          </a:xfrm>
+          <a:prstGeom prst="rect">
+            <a:avLst/>
+          </a:prstGeom>
+        </p:spPr>
+        <p:txBody>
+          <a:bodyPr wrap="square">
+            <a:spAutoFit/>
+          </a:bodyPr>
+          <a:lstStyle/>
+          <a:p>
+            <a:r>
+              <a:rPr lang="en-IN" dirty="0" smtClean="0">
+                <a:hlinkClick r:id="rId2"/>
+              </a:rPr>
+              <a:t>Ref: https</a:t>
+            </a:r>
+            <a:r>
+              <a:rPr lang="en-IN" dirty="0">
+                <a:hlinkClick r:id="rId2"/>
+              </a:rPr>
+              <a:t>://spring.io/blog/2016/02/15/distributed-tracing-with-spring-cloud-sleuth-and-spring-cloud-zipkin</a:t>
+            </a:r>
+            <a:endParaRPr lang="en-IN" dirty="0"/>
+          </a:p>
+        </p:txBody>
+      </p:sp>
       <p:pic>
         <p:nvPicPr>
-          <p:cNvPr id="3" name="Picture 2"/>
+          <p:cNvPr id="7" name="Picture 6"/>
           <p:cNvPicPr>
             <a:picLocks noChangeAspect="1"/>
           </p:cNvPicPr>
           <p:nvPr/>
         </p:nvPicPr>
         <p:blipFill>
-          <a:blip r:embed="rId2" cstate="print">
+          <a:blip r:embed="rId3" cstate="print">
             <a:extLst>
               <a:ext uri="{28A0092B-C50C-407E-A947-70E740481C1C}">
                 <a14:useLocalDpi xmlns:a14="http://schemas.microsoft.com/office/drawing/2010/main" val="0"/>
@@ -20133,45 +21002,14 @@
         </p:blipFill>
         <p:spPr>
           <a:xfrm>
-            <a:off x="1207573" y="606905"/>
-            <a:ext cx="9269385" cy="5800430"/>
+            <a:off x="778652" y="690704"/>
+            <a:ext cx="10058400" cy="6294166"/>
           </a:xfrm>
           <a:prstGeom prst="rect">
             <a:avLst/>
           </a:prstGeom>
         </p:spPr>
       </p:pic>
-      <p:sp>
-        <p:nvSpPr>
-          <p:cNvPr id="6" name="Rectangle 5"/>
-          <p:cNvSpPr/>
-          <p:nvPr/>
-        </p:nvSpPr>
-        <p:spPr>
-          <a:xfrm>
-            <a:off x="3048000" y="6084170"/>
-            <a:ext cx="6096000" cy="646331"/>
-          </a:xfrm>
-          <a:prstGeom prst="rect">
-            <a:avLst/>
-          </a:prstGeom>
-        </p:spPr>
-        <p:txBody>
-          <a:bodyPr>
-            <a:spAutoFit/>
-          </a:bodyPr>
-          <a:lstStyle/>
-          <a:p>
-            <a:r>
-              <a:rPr lang="en-IN" dirty="0">
-                <a:hlinkClick r:id="rId3"/>
-              </a:rPr>
-              <a:t>https://spring.io/blog/2016/02/15/distributed-tracing-with-spring-cloud-sleuth-and-spring-cloud-zipkin</a:t>
-            </a:r>
-            <a:endParaRPr lang="en-IN" dirty="0"/>
-          </a:p>
-        </p:txBody>
-      </p:sp>
     </p:spTree>
     <p:extLst>
       <p:ext uri="{BB962C8B-B14F-4D97-AF65-F5344CB8AC3E}">
@@ -20370,6 +21208,138 @@
                             </p:childTnLst>
                           </p:cTn>
                         </p:par>
+                        <p:par>
+                          <p:cTn id="15" fill="hold">
+                            <p:stCondLst>
+                              <p:cond delay="900"/>
+                            </p:stCondLst>
+                            <p:childTnLst>
+                              <p:par>
+                                <p:cTn id="16" presetID="10" presetClass="entr" presetSubtype="0" fill="hold" grpId="0" nodeType="afterEffect">
+                                  <p:stCondLst>
+                                    <p:cond delay="0"/>
+                                  </p:stCondLst>
+                                  <p:childTnLst>
+                                    <p:set>
+                                      <p:cBhvr>
+                                        <p:cTn id="17" dur="1" fill="hold">
+                                          <p:stCondLst>
+                                            <p:cond delay="0"/>
+                                          </p:stCondLst>
+                                        </p:cTn>
+                                        <p:tgtEl>
+                                          <p:spTgt spid="2"/>
+                                        </p:tgtEl>
+                                        <p:attrNameLst>
+                                          <p:attrName>style.visibility</p:attrName>
+                                        </p:attrNameLst>
+                                      </p:cBhvr>
+                                      <p:to>
+                                        <p:strVal val="visible"/>
+                                      </p:to>
+                                    </p:set>
+                                    <p:animEffect transition="in" filter="fade">
+                                      <p:cBhvr>
+                                        <p:cTn id="18" dur="500"/>
+                                        <p:tgtEl>
+                                          <p:spTgt spid="2"/>
+                                        </p:tgtEl>
+                                      </p:cBhvr>
+                                    </p:animEffect>
+                                  </p:childTnLst>
+                                </p:cTn>
+                              </p:par>
+                            </p:childTnLst>
+                          </p:cTn>
+                        </p:par>
+                        <p:par>
+                          <p:cTn id="19" fill="hold">
+                            <p:stCondLst>
+                              <p:cond delay="1400"/>
+                            </p:stCondLst>
+                            <p:childTnLst>
+                              <p:par>
+                                <p:cTn id="20" presetID="10" presetClass="entr" presetSubtype="0" fill="hold" nodeType="afterEffect">
+                                  <p:stCondLst>
+                                    <p:cond delay="0"/>
+                                  </p:stCondLst>
+                                  <p:childTnLst>
+                                    <p:set>
+                                      <p:cBhvr>
+                                        <p:cTn id="21" dur="1" fill="hold">
+                                          <p:stCondLst>
+                                            <p:cond delay="0"/>
+                                          </p:stCondLst>
+                                        </p:cTn>
+                                        <p:tgtEl>
+                                          <p:spTgt spid="7"/>
+                                        </p:tgtEl>
+                                        <p:attrNameLst>
+                                          <p:attrName>style.visibility</p:attrName>
+                                        </p:attrNameLst>
+                                      </p:cBhvr>
+                                      <p:to>
+                                        <p:strVal val="visible"/>
+                                      </p:to>
+                                    </p:set>
+                                    <p:animEffect transition="in" filter="fade">
+                                      <p:cBhvr>
+                                        <p:cTn id="22" dur="500"/>
+                                        <p:tgtEl>
+                                          <p:spTgt spid="7"/>
+                                        </p:tgtEl>
+                                      </p:cBhvr>
+                                    </p:animEffect>
+                                  </p:childTnLst>
+                                </p:cTn>
+                              </p:par>
+                            </p:childTnLst>
+                          </p:cTn>
+                        </p:par>
+                        <p:par>
+                          <p:cTn id="23" fill="hold">
+                            <p:stCondLst>
+                              <p:cond delay="1900"/>
+                            </p:stCondLst>
+                            <p:childTnLst>
+                              <p:par>
+                                <p:cTn id="24" presetID="10" presetClass="entr" presetSubtype="0" fill="hold" grpId="0" nodeType="afterEffect">
+                                  <p:stCondLst>
+                                    <p:cond delay="0"/>
+                                  </p:stCondLst>
+                                  <p:childTnLst>
+                                    <p:set>
+                                      <p:cBhvr>
+                                        <p:cTn id="25" dur="1" fill="hold">
+                                          <p:stCondLst>
+                                            <p:cond delay="0"/>
+                                          </p:stCondLst>
+                                        </p:cTn>
+                                        <p:tgtEl>
+                                          <p:spTgt spid="6"/>
+                                        </p:tgtEl>
+                                        <p:attrNameLst>
+                                          <p:attrName>style.visibility</p:attrName>
+                                        </p:attrNameLst>
+                                      </p:cBhvr>
+                                      <p:to>
+                                        <p:strVal val="visible"/>
+                                      </p:to>
+                                    </p:set>
+                                    <p:animEffect transition="in" filter="fade">
+                                      <p:cBhvr>
+                                        <p:cTn id="26" dur="500"/>
+                                        <p:tgtEl>
+                                          <p:spTgt spid="6"/>
+                                        </p:tgtEl>
+                                      </p:cBhvr>
+                                    </p:animEffect>
+                                  </p:childTnLst>
+                                </p:cTn>
+                              </p:par>
+                            </p:childTnLst>
+                          </p:cTn>
+                        </p:par>
                       </p:childTnLst>
                     </p:cTn>
                   </p:par>
@@ -20397,6 +21367,8 @@
     <p:bldLst>
       <p:bldP spid="4" grpId="0" animBg="1"/>
       <p:bldP spid="5" grpId="0"/>
+      <p:bldP spid="2" grpId="0"/>
+      <p:bldP spid="6" grpId="0"/>
     </p:bldLst>
   </p:timing>
 </p:sld>
@@ -20860,7 +21832,7 @@
         </p:nvSpPr>
         <p:spPr>
           <a:xfrm>
-            <a:off x="899122" y="1392452"/>
+            <a:off x="899122" y="973707"/>
             <a:ext cx="9956112" cy="400110"/>
           </a:xfrm>
           <a:prstGeom prst="rect">
@@ -20926,7 +21898,7 @@
         </p:blipFill>
         <p:spPr>
           <a:xfrm>
-            <a:off x="2652540" y="1792562"/>
+            <a:off x="2652540" y="1348178"/>
             <a:ext cx="6674339" cy="4964952"/>
           </a:xfrm>
           <a:prstGeom prst="rect">
@@ -21167,6 +22139,50 @@
                                         <p:cTn id="18" dur="500"/>
                                         <p:tgtEl>
                                           <p:spTgt spid="7"/>
+                                        </p:tgtEl>
+                                      </p:cBhvr>
+                                    </p:animEffect>
+                                  </p:childTnLst>
+                                </p:cTn>
+                              </p:par>
+                            </p:childTnLst>
+                          </p:cTn>
+                        </p:par>
+                        <p:par>
+                          <p:cTn id="19" fill="hold">
+                            <p:stCondLst>
+                              <p:cond delay="1400"/>
+                            </p:stCondLst>
+                            <p:childTnLst>
+                              <p:par>
+                                <p:cTn id="20" presetID="10" presetClass="entr" presetSubtype="0" fill="hold" nodeType="afterEffect">
+                                  <p:stCondLst>
+                                    <p:cond delay="0"/>
+                                  </p:stCondLst>
+                                  <p:childTnLst>
+                                    <p:set>
+                                      <p:cBhvr>
+                                        <p:cTn id="21" dur="1" fill="hold">
+                                          <p:stCondLst>
+                                            <p:cond delay="0"/>
+                                          </p:stCondLst>
+                                        </p:cTn>
+                                        <p:tgtEl>
+                                          <p:spTgt spid="3"/>
+                                        </p:tgtEl>
+                                        <p:attrNameLst>
+                                          <p:attrName>style.visibility</p:attrName>
+                                        </p:attrNameLst>
+                                      </p:cBhvr>
+                                      <p:to>
+                                        <p:strVal val="visible"/>
+                                      </p:to>
+                                    </p:set>
+                                    <p:animEffect transition="in" filter="fade">
+                                      <p:cBhvr>
+                                        <p:cTn id="22" dur="500"/>
+                                        <p:tgtEl>
+                                          <p:spTgt spid="3"/>
                                         </p:tgtEl>
                                       </p:cBhvr>
                                     </p:animEffect>
@@ -21924,7 +22940,7 @@
                             </p:stCondLst>
                             <p:childTnLst>
                               <p:par>
-                                <p:cTn id="16" presetID="10" presetClass="entr" presetSubtype="0" fill="hold" grpId="0" nodeType="afterEffect">
+                                <p:cTn id="16" presetID="10" presetClass="entr" presetSubtype="0" fill="hold" nodeType="afterEffect">
                                   <p:stCondLst>
                                     <p:cond delay="0"/>
                                   </p:stCondLst>
@@ -21932,6 +22948,50 @@
                                     <p:set>
                                       <p:cBhvr>
                                         <p:cTn id="17" dur="1" fill="hold">
+                                          <p:stCondLst>
+                                            <p:cond delay="0"/>
+                                          </p:stCondLst>
+                                        </p:cTn>
+                                        <p:tgtEl>
+                                          <p:spTgt spid="2"/>
+                                        </p:tgtEl>
+                                        <p:attrNameLst>
+                                          <p:attrName>style.visibility</p:attrName>
+                                        </p:attrNameLst>
+                                      </p:cBhvr>
+                                      <p:to>
+                                        <p:strVal val="visible"/>
+                                      </p:to>
+                                    </p:set>
+                                    <p:animEffect transition="in" filter="fade">
+                                      <p:cBhvr>
+                                        <p:cTn id="18" dur="500"/>
+                                        <p:tgtEl>
+                                          <p:spTgt spid="2"/>
+                                        </p:tgtEl>
+                                      </p:cBhvr>
+                                    </p:animEffect>
+                                  </p:childTnLst>
+                                </p:cTn>
+                              </p:par>
+                            </p:childTnLst>
+                          </p:cTn>
+                        </p:par>
+                        <p:par>
+                          <p:cTn id="19" fill="hold">
+                            <p:stCondLst>
+                              <p:cond delay="1400"/>
+                            </p:stCondLst>
+                            <p:childTnLst>
+                              <p:par>
+                                <p:cTn id="20" presetID="10" presetClass="entr" presetSubtype="0" fill="hold" grpId="0" nodeType="afterEffect">
+                                  <p:stCondLst>
+                                    <p:cond delay="0"/>
+                                  </p:stCondLst>
+                                  <p:childTnLst>
+                                    <p:set>
+                                      <p:cBhvr>
+                                        <p:cTn id="21" dur="1" fill="hold">
                                           <p:stCondLst>
                                             <p:cond delay="0"/>
                                           </p:stCondLst>
@@ -21949,7 +23009,7 @@
                                     </p:set>
                                     <p:animEffect transition="in" filter="fade">
                                       <p:cBhvr>
-                                        <p:cTn id="18" dur="500"/>
+                                        <p:cTn id="22" dur="500"/>
                                         <p:tgtEl>
                                           <p:spTgt spid="7"/>
                                         </p:tgtEl>
